--- a/Report/ojima_0313.pptx
+++ b/Report/ojima_0313.pptx
@@ -5,11 +5,12 @@
     <p:sldMasterId id="2147483648" r:id="rId1"/>
   </p:sldMasterIdLst>
   <p:notesMasterIdLst>
-    <p:notesMasterId r:id="rId4"/>
+    <p:notesMasterId r:id="rId5"/>
   </p:notesMasterIdLst>
   <p:sldIdLst>
     <p:sldId id="321" r:id="rId2"/>
-    <p:sldId id="322" r:id="rId3"/>
+    <p:sldId id="323" r:id="rId3"/>
+    <p:sldId id="322" r:id="rId4"/>
   </p:sldIdLst>
   <p:sldSz cx="12192000" cy="6858000"/>
   <p:notesSz cx="6858000" cy="9144000"/>
@@ -4023,7 +4024,7 @@
             <a:pPr algn="ctr"/>
             <a:r>
               <a:rPr lang="ja-JP" altLang="en-US" dirty="0"/>
-              <a:t>視点加速度と機械加速度との関係</a:t>
+              <a:t>頭部加速度と機械加速度との関係</a:t>
             </a:r>
             <a:br>
               <a:rPr lang="en-US" altLang="ja-JP" dirty="0"/>
@@ -4104,6 +4105,338 @@
           <p:cNvPr id="2" name="タイトル 1">
             <a:extLst>
               <a:ext uri="{FF2B5EF4-FFF2-40B4-BE49-F238E27FC236}">
+                <a16:creationId xmlns:a16="http://schemas.microsoft.com/office/drawing/2014/main" id="{D4398E37-1CA5-DD32-F14C-1488E9AEFA01}"/>
+              </a:ext>
+            </a:extLst>
+          </p:cNvPr>
+          <p:cNvSpPr>
+            <a:spLocks noGrp="1"/>
+          </p:cNvSpPr>
+          <p:nvPr>
+            <p:ph type="title"/>
+          </p:nvPr>
+        </p:nvSpPr>
+        <p:spPr/>
+        <p:txBody>
+          <a:bodyPr/>
+          <a:lstStyle/>
+          <a:p>
+            <a:r>
+              <a:rPr kumimoji="1" lang="en-US" altLang="ja-JP" dirty="0"/>
+              <a:t>VR</a:t>
+            </a:r>
+            <a:r>
+              <a:rPr kumimoji="1" lang="ja-JP" altLang="en-US" dirty="0"/>
+              <a:t>環境</a:t>
+            </a:r>
+          </a:p>
+        </p:txBody>
+      </p:sp>
+      <p:sp>
+        <p:nvSpPr>
+          <p:cNvPr id="3" name="コンテンツ プレースホルダー 2">
+            <a:extLst>
+              <a:ext uri="{FF2B5EF4-FFF2-40B4-BE49-F238E27FC236}">
+                <a16:creationId xmlns:a16="http://schemas.microsoft.com/office/drawing/2014/main" id="{988EA875-8357-F7C5-C271-ACDB1A49A963}"/>
+              </a:ext>
+            </a:extLst>
+          </p:cNvPr>
+          <p:cNvSpPr>
+            <a:spLocks noGrp="1"/>
+          </p:cNvSpPr>
+          <p:nvPr>
+            <p:ph idx="1"/>
+          </p:nvPr>
+        </p:nvSpPr>
+        <p:spPr/>
+        <p:txBody>
+          <a:bodyPr/>
+          <a:lstStyle/>
+          <a:p>
+            <a:r>
+              <a:rPr kumimoji="1" lang="ja-JP" altLang="en-US" dirty="0"/>
+              <a:t>一辺が</a:t>
+            </a:r>
+            <a:r>
+              <a:rPr kumimoji="1" lang="en-US" altLang="ja-JP" dirty="0"/>
+              <a:t>3m</a:t>
+            </a:r>
+            <a:r>
+              <a:rPr kumimoji="1" lang="ja-JP" altLang="en-US" dirty="0"/>
+              <a:t>の四角柱の内部</a:t>
+            </a:r>
+            <a:endParaRPr kumimoji="1" lang="en-US" altLang="ja-JP" dirty="0"/>
+          </a:p>
+        </p:txBody>
+      </p:sp>
+      <p:sp>
+        <p:nvSpPr>
+          <p:cNvPr id="4" name="スライド番号プレースホルダー 3">
+            <a:extLst>
+              <a:ext uri="{FF2B5EF4-FFF2-40B4-BE49-F238E27FC236}">
+                <a16:creationId xmlns:a16="http://schemas.microsoft.com/office/drawing/2014/main" id="{9EC9CDD4-9995-5C2E-2CAB-D4F6D76B16DD}"/>
+              </a:ext>
+            </a:extLst>
+          </p:cNvPr>
+          <p:cNvSpPr>
+            <a:spLocks noGrp="1"/>
+          </p:cNvSpPr>
+          <p:nvPr>
+            <p:ph type="sldNum" sz="quarter" idx="12"/>
+          </p:nvPr>
+        </p:nvSpPr>
+        <p:spPr/>
+        <p:txBody>
+          <a:bodyPr/>
+          <a:lstStyle/>
+          <a:p>
+            <a:fld id="{28498C4A-281D-456F-B1B5-DFF3FFC7FCB3}" type="slidenum">
+              <a:rPr kumimoji="1" lang="ja-JP" altLang="en-US" smtClean="0"/>
+              <a:t>2</a:t>
+            </a:fld>
+            <a:endParaRPr kumimoji="1" lang="ja-JP" altLang="en-US"/>
+          </a:p>
+        </p:txBody>
+      </p:sp>
+      <p:pic>
+        <p:nvPicPr>
+          <p:cNvPr id="6" name="図 5" descr="ゲームの画面&#10;&#10;低い精度で自動的に生成された説明">
+            <a:extLst>
+              <a:ext uri="{FF2B5EF4-FFF2-40B4-BE49-F238E27FC236}">
+                <a16:creationId xmlns:a16="http://schemas.microsoft.com/office/drawing/2014/main" id="{AA7C6337-BF53-8774-459E-18329B9CD7B8}"/>
+              </a:ext>
+            </a:extLst>
+          </p:cNvPr>
+          <p:cNvPicPr>
+            <a:picLocks noChangeAspect="1"/>
+          </p:cNvPicPr>
+          <p:nvPr/>
+        </p:nvPicPr>
+        <p:blipFill>
+          <a:blip r:embed="rId2"/>
+          <a:stretch>
+            <a:fillRect/>
+          </a:stretch>
+        </p:blipFill>
+        <p:spPr>
+          <a:xfrm>
+            <a:off x="3645763" y="1643270"/>
+            <a:ext cx="4716995" cy="4387576"/>
+          </a:xfrm>
+          <a:prstGeom prst="rect">
+            <a:avLst/>
+          </a:prstGeom>
+        </p:spPr>
+      </p:pic>
+      <p:cxnSp>
+        <p:nvCxnSpPr>
+          <p:cNvPr id="8" name="直線矢印コネクタ 7">
+            <a:extLst>
+              <a:ext uri="{FF2B5EF4-FFF2-40B4-BE49-F238E27FC236}">
+                <a16:creationId xmlns:a16="http://schemas.microsoft.com/office/drawing/2014/main" id="{2D31C93A-721D-F9F7-F207-CF6598870748}"/>
+              </a:ext>
+            </a:extLst>
+          </p:cNvPr>
+          <p:cNvCxnSpPr>
+            <a:cxnSpLocks/>
+          </p:cNvCxnSpPr>
+          <p:nvPr/>
+        </p:nvCxnSpPr>
+        <p:spPr>
+          <a:xfrm flipV="1">
+            <a:off x="6845780" y="4630030"/>
+            <a:ext cx="603117" cy="1047610"/>
+          </a:xfrm>
+          <a:prstGeom prst="straightConnector1">
+            <a:avLst/>
+          </a:prstGeom>
+          <a:ln w="12700">
+            <a:solidFill>
+              <a:schemeClr val="tx1"/>
+            </a:solidFill>
+            <a:headEnd type="triangle" w="med" len="med"/>
+            <a:tailEnd type="triangle" w="med" len="med"/>
+          </a:ln>
+        </p:spPr>
+        <p:style>
+          <a:lnRef idx="1">
+            <a:schemeClr val="accent1"/>
+          </a:lnRef>
+          <a:fillRef idx="0">
+            <a:schemeClr val="accent1"/>
+          </a:fillRef>
+          <a:effectRef idx="0">
+            <a:schemeClr val="accent1"/>
+          </a:effectRef>
+          <a:fontRef idx="minor">
+            <a:schemeClr val="tx1"/>
+          </a:fontRef>
+        </p:style>
+      </p:cxnSp>
+      <p:cxnSp>
+        <p:nvCxnSpPr>
+          <p:cNvPr id="10" name="直線矢印コネクタ 9">
+            <a:extLst>
+              <a:ext uri="{FF2B5EF4-FFF2-40B4-BE49-F238E27FC236}">
+                <a16:creationId xmlns:a16="http://schemas.microsoft.com/office/drawing/2014/main" id="{1A086083-BE26-F725-119F-B0E9BCFC4A57}"/>
+              </a:ext>
+            </a:extLst>
+          </p:cNvPr>
+          <p:cNvCxnSpPr>
+            <a:cxnSpLocks/>
+          </p:cNvCxnSpPr>
+          <p:nvPr/>
+        </p:nvCxnSpPr>
+        <p:spPr>
+          <a:xfrm>
+            <a:off x="7448897" y="2455469"/>
+            <a:ext cx="3414" cy="2174561"/>
+          </a:xfrm>
+          <a:prstGeom prst="straightConnector1">
+            <a:avLst/>
+          </a:prstGeom>
+          <a:ln w="12700">
+            <a:solidFill>
+              <a:schemeClr val="tx1"/>
+            </a:solidFill>
+            <a:headEnd type="triangle" w="med" len="med"/>
+            <a:tailEnd type="triangle" w="med" len="med"/>
+          </a:ln>
+        </p:spPr>
+        <p:style>
+          <a:lnRef idx="1">
+            <a:schemeClr val="accent1"/>
+          </a:lnRef>
+          <a:fillRef idx="0">
+            <a:schemeClr val="accent1"/>
+          </a:fillRef>
+          <a:effectRef idx="0">
+            <a:schemeClr val="accent1"/>
+          </a:effectRef>
+          <a:fontRef idx="minor">
+            <a:schemeClr val="tx1"/>
+          </a:fontRef>
+        </p:style>
+      </p:cxnSp>
+      <p:sp>
+        <p:nvSpPr>
+          <p:cNvPr id="13" name="テキスト ボックス 12">
+            <a:extLst>
+              <a:ext uri="{FF2B5EF4-FFF2-40B4-BE49-F238E27FC236}">
+                <a16:creationId xmlns:a16="http://schemas.microsoft.com/office/drawing/2014/main" id="{A3B607CA-00D0-55CB-035D-C04D50516580}"/>
+              </a:ext>
+            </a:extLst>
+          </p:cNvPr>
+          <p:cNvSpPr txBox="1"/>
+          <p:nvPr/>
+        </p:nvSpPr>
+        <p:spPr>
+          <a:xfrm>
+            <a:off x="6052457" y="4378036"/>
+            <a:ext cx="646331" cy="369332"/>
+          </a:xfrm>
+          <a:prstGeom prst="rect">
+            <a:avLst/>
+          </a:prstGeom>
+          <a:noFill/>
+        </p:spPr>
+        <p:txBody>
+          <a:bodyPr wrap="none" rtlCol="0">
+            <a:spAutoFit/>
+          </a:bodyPr>
+          <a:lstStyle/>
+          <a:p>
+            <a:r>
+              <a:rPr kumimoji="1" lang="ja-JP" altLang="en-US" dirty="0">
+                <a:solidFill>
+                  <a:srgbClr val="0000FF"/>
+                </a:solidFill>
+              </a:rPr>
+              <a:t>正面</a:t>
+            </a:r>
+          </a:p>
+        </p:txBody>
+      </p:sp>
+      <p:cxnSp>
+        <p:nvCxnSpPr>
+          <p:cNvPr id="14" name="直線矢印コネクタ 13">
+            <a:extLst>
+              <a:ext uri="{FF2B5EF4-FFF2-40B4-BE49-F238E27FC236}">
+                <a16:creationId xmlns:a16="http://schemas.microsoft.com/office/drawing/2014/main" id="{2C875B95-C278-4C59-13AF-E9C9E7199B82}"/>
+              </a:ext>
+            </a:extLst>
+          </p:cNvPr>
+          <p:cNvCxnSpPr>
+            <a:cxnSpLocks/>
+          </p:cNvCxnSpPr>
+          <p:nvPr/>
+        </p:nvCxnSpPr>
+        <p:spPr>
+          <a:xfrm flipH="1" flipV="1">
+            <a:off x="4439020" y="5454201"/>
+            <a:ext cx="2403346" cy="269705"/>
+          </a:xfrm>
+          <a:prstGeom prst="straightConnector1">
+            <a:avLst/>
+          </a:prstGeom>
+          <a:ln w="12700">
+            <a:solidFill>
+              <a:schemeClr val="tx1"/>
+            </a:solidFill>
+            <a:headEnd type="triangle" w="med" len="med"/>
+            <a:tailEnd type="triangle" w="med" len="med"/>
+          </a:ln>
+        </p:spPr>
+        <p:style>
+          <a:lnRef idx="1">
+            <a:schemeClr val="accent1"/>
+          </a:lnRef>
+          <a:fillRef idx="0">
+            <a:schemeClr val="accent1"/>
+          </a:fillRef>
+          <a:effectRef idx="0">
+            <a:schemeClr val="accent1"/>
+          </a:effectRef>
+          <a:fontRef idx="minor">
+            <a:schemeClr val="tx1"/>
+          </a:fontRef>
+        </p:style>
+      </p:cxnSp>
+    </p:spTree>
+    <p:extLst>
+      <p:ext uri="{BB962C8B-B14F-4D97-AF65-F5344CB8AC3E}">
+        <p14:creationId xmlns:p14="http://schemas.microsoft.com/office/powerpoint/2010/main" val="1629371594"/>
+      </p:ext>
+    </p:extLst>
+  </p:cSld>
+  <p:clrMapOvr>
+    <a:masterClrMapping/>
+  </p:clrMapOvr>
+</p:sld>
+</file>
+
+<file path=ppt/slides/slide3.xml><?xml version="1.0" encoding="utf-8"?>
+<p:sld xmlns:a="http://schemas.openxmlformats.org/drawingml/2006/main" xmlns:r="http://schemas.openxmlformats.org/officeDocument/2006/relationships" xmlns:p="http://schemas.openxmlformats.org/presentationml/2006/main">
+  <p:cSld>
+    <p:spTree>
+      <p:nvGrpSpPr>
+        <p:cNvPr id="1" name=""/>
+        <p:cNvGrpSpPr/>
+        <p:nvPr/>
+      </p:nvGrpSpPr>
+      <p:grpSpPr>
+        <a:xfrm>
+          <a:off x="0" y="0"/>
+          <a:ext cx="0" cy="0"/>
+          <a:chOff x="0" y="0"/>
+          <a:chExt cx="0" cy="0"/>
+        </a:xfrm>
+      </p:grpSpPr>
+      <p:sp>
+        <p:nvSpPr>
+          <p:cNvPr id="2" name="タイトル 1">
+            <a:extLst>
+              <a:ext uri="{FF2B5EF4-FFF2-40B4-BE49-F238E27FC236}">
                 <a16:creationId xmlns:a16="http://schemas.microsoft.com/office/drawing/2014/main" id="{026A079A-4906-EAF1-E818-6ABCFF2BAF54}"/>
               </a:ext>
             </a:extLst>
@@ -4122,7 +4455,7 @@
           <a:p>
             <a:r>
               <a:rPr lang="ja-JP" altLang="en-US" dirty="0"/>
-              <a:t>視点加速度と機械加速度との関係</a:t>
+              <a:t>視点加速度と頭部加速度との関係</a:t>
             </a:r>
             <a:endParaRPr kumimoji="1" lang="ja-JP" altLang="en-US" dirty="0"/>
           </a:p>
@@ -4159,7 +4492,7 @@
             </a:r>
             <a:r>
               <a:rPr lang="ja-JP" altLang="en-US" dirty="0"/>
-              <a:t>が刺激と前庭感覚が最適な線</a:t>
+              <a:t>が最適な線</a:t>
             </a:r>
             <a:endParaRPr kumimoji="1" lang="ja-JP" altLang="en-US" dirty="0"/>
           </a:p>
@@ -4188,7 +4521,7 @@
           <a:p>
             <a:fld id="{28498C4A-281D-456F-B1B5-DFF3FFC7FCB3}" type="slidenum">
               <a:rPr kumimoji="1" lang="ja-JP" altLang="en-US" smtClean="0"/>
-              <a:t>2</a:t>
+              <a:t>3</a:t>
             </a:fld>
             <a:endParaRPr kumimoji="1" lang="ja-JP" altLang="en-US"/>
           </a:p>
@@ -4346,7 +4679,7 @@
           <a:p>
             <a:r>
               <a:rPr lang="ja-JP" altLang="en-US" dirty="0"/>
-              <a:t>機械加速度</a:t>
+              <a:t>頭部加速度</a:t>
             </a:r>
             <a:endParaRPr kumimoji="1" lang="ja-JP" altLang="en-US" dirty="0"/>
           </a:p>
@@ -4512,6 +4845,7 @@
               </a:bodyPr>
               <a:lstStyle/>
               <a:p>
+                <a:pPr/>
                 <a14:m>
                   <m:oMathPara xmlns:m="http://schemas.openxmlformats.org/officeDocument/2006/math">
                     <m:oMathParaPr>
@@ -4613,7 +4947,16 @@
                           </a:solidFill>
                           <a:latin typeface="Cambria Math" panose="02040503050406030204" pitchFamily="18" charset="0"/>
                         </a:rPr>
-                        <m:t>機械加速度</m:t>
+                        <m:t>頭部</m:t>
+                      </m:r>
+                      <m:r>
+                        <a:rPr lang="ja-JP" altLang="en-US" i="1">
+                          <a:solidFill>
+                            <a:srgbClr val="0000FF"/>
+                          </a:solidFill>
+                          <a:latin typeface="Cambria Math" panose="02040503050406030204" pitchFamily="18" charset="0"/>
+                        </a:rPr>
+                        <m:t>加速度</m:t>
                       </m:r>
                     </m:oMath>
                   </m:oMathPara>
